--- a/king_county_house_project2.pptx
+++ b/king_county_house_project2.pptx
@@ -116,6 +116,11 @@
       </a:defRPr>
     </a:lvl9pPr>
   </p:defaultTextStyle>
+  <p:extLst>
+    <p:ext uri="{EFAFB233-063F-42B5-8137-9DF3F51BA10A}">
+      <p15:sldGuideLst xmlns:p15="http://schemas.microsoft.com/office/powerpoint/2012/main"/>
+    </p:ext>
+  </p:extLst>
 </p:presentation>
 </file>
 
@@ -2407,7 +2412,7 @@
 <dgm:dataModel xmlns:dgm="http://schemas.openxmlformats.org/drawingml/2006/diagram" xmlns:a="http://schemas.openxmlformats.org/drawingml/2006/main">
   <dgm:ptLst>
     <dgm:pt modelId="{AE9FC036-8D61-478B-A5D3-B7E3184E6549}" type="doc">
-      <dgm:prSet loTypeId="urn:microsoft.com/office/officeart/2016/7/layout/RepeatingBendingProcessNew" loCatId="process" qsTypeId="urn:microsoft.com/office/officeart/2005/8/quickstyle/simple1" qsCatId="simple" csTypeId="urn:microsoft.com/office/officeart/2005/8/colors/colorful1" csCatId="colorful"/>
+      <dgm:prSet loTypeId="urn:microsoft.com/office/officeart/2016/7/layout/RepeatingBendingProcessNew" loCatId="process" qsTypeId="urn:microsoft.com/office/officeart/2005/8/quickstyle/simple1" qsCatId="simple" csTypeId="urn:microsoft.com/office/officeart/2005/8/colors/colorful1" csCatId="colorful" phldr="1"/>
       <dgm:spPr/>
       <dgm:t>
         <a:bodyPr/>
@@ -2641,8 +2646,8 @@
         <a:lstStyle/>
         <a:p>
           <a:r>
-            <a:rPr lang="en-US"/>
-            <a:t>Checking for outliers. (z-score)</a:t>
+            <a:rPr lang="en-US" dirty="0"/>
+            <a:t>Checking for outliers. </a:t>
           </a:r>
         </a:p>
       </dgm:t>
@@ -2775,7 +2780,7 @@
       <dgm:spPr/>
     </dgm:pt>
     <dgm:pt modelId="{0B15B895-7C2B-6F46-BE81-7EC054F0D01F}" type="pres">
-      <dgm:prSet presAssocID="{7B6CC226-4FD9-43FC-81ED-8A0616449869}" presName="node" presStyleLbl="node1" presStyleIdx="6" presStyleCnt="7">
+      <dgm:prSet presAssocID="{7B6CC226-4FD9-43FC-81ED-8A0616449869}" presName="node" presStyleLbl="node1" presStyleIdx="6" presStyleCnt="7" custLinFactNeighborX="-809">
         <dgm:presLayoutVars>
           <dgm:bulletEnabled val="1"/>
         </dgm:presLayoutVars>
@@ -4256,7 +4261,7 @@
       <dsp:spPr>
         <a:xfrm>
           <a:off x="5143186" y="2581404"/>
-          <a:ext cx="499826" cy="91440"/>
+          <a:ext cx="481169" cy="91440"/>
         </a:xfrm>
         <a:custGeom>
           <a:avLst/>
@@ -4270,7 +4275,7 @@
                 <a:pt x="0" y="45720"/>
               </a:moveTo>
               <a:lnTo>
-                <a:pt x="499826" y="45720"/>
+                <a:pt x="481169" y="45720"/>
               </a:lnTo>
             </a:path>
           </a:pathLst>
@@ -4324,8 +4329,8 @@
         </a:p>
       </dsp:txBody>
       <dsp:txXfrm>
-        <a:off x="5379839" y="2624472"/>
-        <a:ext cx="26521" cy="5304"/>
+        <a:off x="5370977" y="2624472"/>
+        <a:ext cx="25588" cy="5304"/>
       </dsp:txXfrm>
     </dsp:sp>
     <dsp:sp modelId="{FE69E21D-3028-E04F-AFC2-D10BDA60AF75}">
@@ -4412,7 +4417,7 @@
       </dsp:nvSpPr>
       <dsp:spPr>
         <a:xfrm>
-          <a:off x="5675413" y="1935263"/>
+          <a:off x="5656756" y="1935263"/>
           <a:ext cx="2306203" cy="1383722"/>
         </a:xfrm>
         <a:prstGeom prst="rect">
@@ -4472,13 +4477,13 @@
             <a:buNone/>
           </a:pPr>
           <a:r>
-            <a:rPr lang="en-US" sz="2000" kern="1200"/>
-            <a:t>Checking for outliers. (z-score)</a:t>
+            <a:rPr lang="en-US" sz="2000" kern="1200" dirty="0"/>
+            <a:t>Checking for outliers. </a:t>
           </a:r>
         </a:p>
       </dsp:txBody>
       <dsp:txXfrm>
-        <a:off x="5675413" y="1935263"/>
+        <a:off x="5656756" y="1935263"/>
         <a:ext cx="2306203" cy="1383722"/>
       </dsp:txXfrm>
     </dsp:sp>
@@ -7355,32 +7360,7 @@
           <a:bodyPr/>
           <a:lstStyle/>
           <a:p>
-            <a:r>
-              <a:rPr lang="en-US" dirty="0"/>
-              <a:t>Price as dependent variable</a:t>
-            </a:r>
-          </a:p>
-          <a:p>
-            <a:r>
-              <a:rPr lang="en-US" dirty="0"/>
-              <a:t>Bedrooms, bathrooms </a:t>
-            </a:r>
-          </a:p>
-          <a:p>
-            <a:r>
-              <a:rPr lang="en-US" dirty="0" err="1"/>
-              <a:t>Sqft</a:t>
-            </a:r>
-            <a:r>
-              <a:rPr lang="en-US" dirty="0"/>
-              <a:t> living and lot</a:t>
-            </a:r>
-          </a:p>
-          <a:p>
-            <a:r>
-              <a:rPr lang="en-US" dirty="0"/>
-              <a:t>Grade &amp; condition</a:t>
-            </a:r>
+            <a:endParaRPr lang="en-US" dirty="0"/>
           </a:p>
         </p:txBody>
       </p:sp>
@@ -7401,6 +7381,285 @@
           <a:p>
             <a:fld id="{46A57A09-7C9A-5B46-924C-869E0A38EC0D}" type="slidenum">
               <a:rPr lang="en-US" smtClean="0"/>
+              <a:t>1</a:t>
+            </a:fld>
+            <a:endParaRPr lang="en-US"/>
+          </a:p>
+        </p:txBody>
+      </p:sp>
+    </p:spTree>
+    <p:extLst>
+      <p:ext uri="{BB962C8B-B14F-4D97-AF65-F5344CB8AC3E}">
+        <p14:creationId xmlns:p14="http://schemas.microsoft.com/office/powerpoint/2010/main" val="2599316930"/>
+      </p:ext>
+    </p:extLst>
+  </p:cSld>
+  <p:clrMapOvr>
+    <a:masterClrMapping/>
+  </p:clrMapOvr>
+</p:notes>
+</file>
+
+<file path=ppt/notesSlides/notesSlide2.xml><?xml version="1.0" encoding="utf-8"?>
+<p:notes xmlns:a="http://schemas.openxmlformats.org/drawingml/2006/main" xmlns:r="http://schemas.openxmlformats.org/officeDocument/2006/relationships" xmlns:p="http://schemas.openxmlformats.org/presentationml/2006/main">
+  <p:cSld>
+    <p:spTree>
+      <p:nvGrpSpPr>
+        <p:cNvPr id="1" name=""/>
+        <p:cNvGrpSpPr/>
+        <p:nvPr/>
+      </p:nvGrpSpPr>
+      <p:grpSpPr>
+        <a:xfrm>
+          <a:off x="0" y="0"/>
+          <a:ext cx="0" cy="0"/>
+          <a:chOff x="0" y="0"/>
+          <a:chExt cx="0" cy="0"/>
+        </a:xfrm>
+      </p:grpSpPr>
+      <p:sp>
+        <p:nvSpPr>
+          <p:cNvPr id="2" name="Slide Image Placeholder 1"/>
+          <p:cNvSpPr>
+            <a:spLocks noGrp="1" noRot="1" noChangeAspect="1"/>
+          </p:cNvSpPr>
+          <p:nvPr>
+            <p:ph type="sldImg"/>
+          </p:nvPr>
+        </p:nvSpPr>
+        <p:spPr/>
+      </p:sp>
+      <p:sp>
+        <p:nvSpPr>
+          <p:cNvPr id="3" name="Notes Placeholder 2"/>
+          <p:cNvSpPr>
+            <a:spLocks noGrp="1"/>
+          </p:cNvSpPr>
+          <p:nvPr>
+            <p:ph type="body" idx="1"/>
+          </p:nvPr>
+        </p:nvSpPr>
+        <p:spPr/>
+        <p:txBody>
+          <a:bodyPr/>
+          <a:lstStyle/>
+          <a:p>
+            <a:endParaRPr lang="en-US" dirty="0"/>
+          </a:p>
+          <a:p>
+            <a:endParaRPr lang="en-US" dirty="0"/>
+          </a:p>
+          <a:p>
+            <a:r>
+              <a:rPr lang="en-US" dirty="0"/>
+              <a:t>INCREASE </a:t>
+            </a:r>
+          </a:p>
+          <a:p>
+            <a:r>
+              <a:rPr lang="en-US" dirty="0"/>
+              <a:t>SALE PRICE</a:t>
+            </a:r>
+          </a:p>
+          <a:p>
+            <a:endParaRPr lang="en-US" dirty="0"/>
+          </a:p>
+          <a:p>
+            <a:endParaRPr lang="en-US" dirty="0"/>
+          </a:p>
+          <a:p>
+            <a:r>
+              <a:rPr lang="en-US" dirty="0"/>
+              <a:t>RELEVANT FACTORS</a:t>
+            </a:r>
+          </a:p>
+        </p:txBody>
+      </p:sp>
+      <p:sp>
+        <p:nvSpPr>
+          <p:cNvPr id="4" name="Slide Number Placeholder 3"/>
+          <p:cNvSpPr>
+            <a:spLocks noGrp="1"/>
+          </p:cNvSpPr>
+          <p:nvPr>
+            <p:ph type="sldNum" sz="quarter" idx="5"/>
+          </p:nvPr>
+        </p:nvSpPr>
+        <p:spPr/>
+        <p:txBody>
+          <a:bodyPr/>
+          <a:lstStyle/>
+          <a:p>
+            <a:fld id="{46A57A09-7C9A-5B46-924C-869E0A38EC0D}" type="slidenum">
+              <a:rPr lang="en-US" smtClean="0"/>
+              <a:t>3</a:t>
+            </a:fld>
+            <a:endParaRPr lang="en-US"/>
+          </a:p>
+        </p:txBody>
+      </p:sp>
+    </p:spTree>
+    <p:extLst>
+      <p:ext uri="{BB962C8B-B14F-4D97-AF65-F5344CB8AC3E}">
+        <p14:creationId xmlns:p14="http://schemas.microsoft.com/office/powerpoint/2010/main" val="3238524054"/>
+      </p:ext>
+    </p:extLst>
+  </p:cSld>
+  <p:clrMapOvr>
+    <a:masterClrMapping/>
+  </p:clrMapOvr>
+</p:notes>
+</file>
+
+<file path=ppt/notesSlides/notesSlide3.xml><?xml version="1.0" encoding="utf-8"?>
+<p:notes xmlns:a="http://schemas.openxmlformats.org/drawingml/2006/main" xmlns:r="http://schemas.openxmlformats.org/officeDocument/2006/relationships" xmlns:p="http://schemas.openxmlformats.org/presentationml/2006/main">
+  <p:cSld>
+    <p:spTree>
+      <p:nvGrpSpPr>
+        <p:cNvPr id="1" name=""/>
+        <p:cNvGrpSpPr/>
+        <p:nvPr/>
+      </p:nvGrpSpPr>
+      <p:grpSpPr>
+        <a:xfrm>
+          <a:off x="0" y="0"/>
+          <a:ext cx="0" cy="0"/>
+          <a:chOff x="0" y="0"/>
+          <a:chExt cx="0" cy="0"/>
+        </a:xfrm>
+      </p:grpSpPr>
+      <p:sp>
+        <p:nvSpPr>
+          <p:cNvPr id="2" name="Slide Image Placeholder 1"/>
+          <p:cNvSpPr>
+            <a:spLocks noGrp="1" noRot="1" noChangeAspect="1"/>
+          </p:cNvSpPr>
+          <p:nvPr>
+            <p:ph type="sldImg"/>
+          </p:nvPr>
+        </p:nvSpPr>
+        <p:spPr/>
+      </p:sp>
+      <p:sp>
+        <p:nvSpPr>
+          <p:cNvPr id="3" name="Notes Placeholder 2"/>
+          <p:cNvSpPr>
+            <a:spLocks noGrp="1"/>
+          </p:cNvSpPr>
+          <p:nvPr>
+            <p:ph type="body" idx="1"/>
+          </p:nvPr>
+        </p:nvSpPr>
+        <p:spPr/>
+        <p:txBody>
+          <a:bodyPr/>
+          <a:lstStyle/>
+          <a:p>
+            <a:r>
+              <a:rPr lang="en-US" dirty="0"/>
+              <a:t>Houses sold in 2014-2015</a:t>
+            </a:r>
+          </a:p>
+          <a:p>
+            <a:endParaRPr lang="en-US" dirty="0"/>
+          </a:p>
+          <a:p>
+            <a:r>
+              <a:rPr lang="en-US" dirty="0"/>
+              <a:t>21597 data rows and 21 columns</a:t>
+            </a:r>
+          </a:p>
+          <a:p>
+            <a:endParaRPr lang="en-US" dirty="0"/>
+          </a:p>
+          <a:p>
+            <a:r>
+              <a:rPr lang="en-US" dirty="0"/>
+              <a:t>price</a:t>
+            </a:r>
+          </a:p>
+          <a:p>
+            <a:r>
+              <a:rPr lang="en-US" dirty="0"/>
+              <a:t>id/date</a:t>
+            </a:r>
+          </a:p>
+          <a:p>
+            <a:endParaRPr lang="en-US" dirty="0"/>
+          </a:p>
+          <a:p>
+            <a:r>
+              <a:rPr lang="en-US" dirty="0" err="1"/>
+              <a:t>mesurement</a:t>
+            </a:r>
+            <a:r>
+              <a:rPr lang="en-US" dirty="0"/>
+              <a:t> </a:t>
+            </a:r>
+            <a:r>
+              <a:rPr lang="en-US" dirty="0" err="1"/>
+              <a:t>sqft</a:t>
+            </a:r>
+            <a:endParaRPr lang="en-US" dirty="0"/>
+          </a:p>
+          <a:p>
+            <a:endParaRPr lang="en-US" dirty="0"/>
+          </a:p>
+          <a:p>
+            <a:r>
+              <a:rPr lang="en-US" dirty="0"/>
+              <a:t>grade and condition</a:t>
+            </a:r>
+          </a:p>
+          <a:p>
+            <a:endParaRPr lang="en-US" dirty="0"/>
+          </a:p>
+          <a:p>
+            <a:r>
+              <a:rPr lang="en-US" dirty="0"/>
+              <a:t>area</a:t>
+            </a:r>
+          </a:p>
+          <a:p>
+            <a:endParaRPr lang="en-US" dirty="0"/>
+          </a:p>
+          <a:p>
+            <a:r>
+              <a:rPr lang="en-US" dirty="0"/>
+              <a:t>year</a:t>
+            </a:r>
+          </a:p>
+          <a:p>
+            <a:endParaRPr lang="en-US" dirty="0"/>
+          </a:p>
+          <a:p>
+            <a:endParaRPr lang="en-US" dirty="0"/>
+          </a:p>
+          <a:p>
+            <a:endParaRPr lang="en-US" dirty="0"/>
+          </a:p>
+          <a:p>
+            <a:endParaRPr lang="en-US" dirty="0"/>
+          </a:p>
+        </p:txBody>
+      </p:sp>
+      <p:sp>
+        <p:nvSpPr>
+          <p:cNvPr id="4" name="Slide Number Placeholder 3"/>
+          <p:cNvSpPr>
+            <a:spLocks noGrp="1"/>
+          </p:cNvSpPr>
+          <p:nvPr>
+            <p:ph type="sldNum" sz="quarter" idx="5"/>
+          </p:nvPr>
+        </p:nvSpPr>
+        <p:spPr/>
+        <p:txBody>
+          <a:bodyPr/>
+          <a:lstStyle/>
+          <a:p>
+            <a:fld id="{46A57A09-7C9A-5B46-924C-869E0A38EC0D}" type="slidenum">
+              <a:rPr lang="en-US" smtClean="0"/>
               <a:t>4</a:t>
             </a:fld>
             <a:endParaRPr lang="en-US"/>
@@ -7411,6 +7670,216 @@
     <p:extLst>
       <p:ext uri="{BB962C8B-B14F-4D97-AF65-F5344CB8AC3E}">
         <p14:creationId xmlns:p14="http://schemas.microsoft.com/office/powerpoint/2010/main" val="63926512"/>
+      </p:ext>
+    </p:extLst>
+  </p:cSld>
+  <p:clrMapOvr>
+    <a:masterClrMapping/>
+  </p:clrMapOvr>
+</p:notes>
+</file>
+
+<file path=ppt/notesSlides/notesSlide4.xml><?xml version="1.0" encoding="utf-8"?>
+<p:notes xmlns:a="http://schemas.openxmlformats.org/drawingml/2006/main" xmlns:r="http://schemas.openxmlformats.org/officeDocument/2006/relationships" xmlns:p="http://schemas.openxmlformats.org/presentationml/2006/main">
+  <p:cSld>
+    <p:spTree>
+      <p:nvGrpSpPr>
+        <p:cNvPr id="1" name=""/>
+        <p:cNvGrpSpPr/>
+        <p:nvPr/>
+      </p:nvGrpSpPr>
+      <p:grpSpPr>
+        <a:xfrm>
+          <a:off x="0" y="0"/>
+          <a:ext cx="0" cy="0"/>
+          <a:chOff x="0" y="0"/>
+          <a:chExt cx="0" cy="0"/>
+        </a:xfrm>
+      </p:grpSpPr>
+      <p:sp>
+        <p:nvSpPr>
+          <p:cNvPr id="2" name="Slide Image Placeholder 1"/>
+          <p:cNvSpPr>
+            <a:spLocks noGrp="1" noRot="1" noChangeAspect="1"/>
+          </p:cNvSpPr>
+          <p:nvPr>
+            <p:ph type="sldImg"/>
+          </p:nvPr>
+        </p:nvSpPr>
+        <p:spPr/>
+      </p:sp>
+      <p:sp>
+        <p:nvSpPr>
+          <p:cNvPr id="3" name="Notes Placeholder 2"/>
+          <p:cNvSpPr>
+            <a:spLocks noGrp="1"/>
+          </p:cNvSpPr>
+          <p:nvPr>
+            <p:ph type="body" idx="1"/>
+          </p:nvPr>
+        </p:nvSpPr>
+        <p:spPr/>
+        <p:txBody>
+          <a:bodyPr/>
+          <a:lstStyle/>
+          <a:p>
+            <a:r>
+              <a:rPr lang="en-US" dirty="0"/>
+              <a:t>heat chart map</a:t>
+            </a:r>
+          </a:p>
+          <a:p>
+            <a:endParaRPr lang="en-US" dirty="0"/>
+          </a:p>
+          <a:p>
+            <a:r>
+              <a:rPr lang="en-US" dirty="0"/>
+              <a:t>did a couple of transformations</a:t>
+            </a:r>
+          </a:p>
+          <a:p>
+            <a:endParaRPr lang="en-US" dirty="0"/>
+          </a:p>
+          <a:p>
+            <a:r>
+              <a:rPr lang="en-US" dirty="0"/>
+              <a:t>obtaining dummy variables</a:t>
+            </a:r>
+          </a:p>
+          <a:p>
+            <a:r>
+              <a:rPr lang="en-US" dirty="0"/>
+              <a:t>for categorical data</a:t>
+            </a:r>
+          </a:p>
+          <a:p>
+            <a:endParaRPr lang="en-US" dirty="0"/>
+          </a:p>
+          <a:p>
+            <a:r>
+              <a:rPr lang="en-US" dirty="0"/>
+              <a:t>log transformation</a:t>
+            </a:r>
+          </a:p>
+          <a:p>
+            <a:endParaRPr lang="en-US" dirty="0"/>
+          </a:p>
+          <a:p>
+            <a:endParaRPr lang="en-US" dirty="0"/>
+          </a:p>
+        </p:txBody>
+      </p:sp>
+      <p:sp>
+        <p:nvSpPr>
+          <p:cNvPr id="4" name="Slide Number Placeholder 3"/>
+          <p:cNvSpPr>
+            <a:spLocks noGrp="1"/>
+          </p:cNvSpPr>
+          <p:nvPr>
+            <p:ph type="sldNum" sz="quarter" idx="5"/>
+          </p:nvPr>
+        </p:nvSpPr>
+        <p:spPr/>
+        <p:txBody>
+          <a:bodyPr/>
+          <a:lstStyle/>
+          <a:p>
+            <a:fld id="{46A57A09-7C9A-5B46-924C-869E0A38EC0D}" type="slidenum">
+              <a:rPr lang="en-US" smtClean="0"/>
+              <a:t>6</a:t>
+            </a:fld>
+            <a:endParaRPr lang="en-US"/>
+          </a:p>
+        </p:txBody>
+      </p:sp>
+    </p:spTree>
+    <p:extLst>
+      <p:ext uri="{BB962C8B-B14F-4D97-AF65-F5344CB8AC3E}">
+        <p14:creationId xmlns:p14="http://schemas.microsoft.com/office/powerpoint/2010/main" val="2493715213"/>
+      </p:ext>
+    </p:extLst>
+  </p:cSld>
+  <p:clrMapOvr>
+    <a:masterClrMapping/>
+  </p:clrMapOvr>
+</p:notes>
+</file>
+
+<file path=ppt/notesSlides/notesSlide5.xml><?xml version="1.0" encoding="utf-8"?>
+<p:notes xmlns:a="http://schemas.openxmlformats.org/drawingml/2006/main" xmlns:r="http://schemas.openxmlformats.org/officeDocument/2006/relationships" xmlns:p="http://schemas.openxmlformats.org/presentationml/2006/main">
+  <p:cSld>
+    <p:spTree>
+      <p:nvGrpSpPr>
+        <p:cNvPr id="1" name=""/>
+        <p:cNvGrpSpPr/>
+        <p:nvPr/>
+      </p:nvGrpSpPr>
+      <p:grpSpPr>
+        <a:xfrm>
+          <a:off x="0" y="0"/>
+          <a:ext cx="0" cy="0"/>
+          <a:chOff x="0" y="0"/>
+          <a:chExt cx="0" cy="0"/>
+        </a:xfrm>
+      </p:grpSpPr>
+      <p:sp>
+        <p:nvSpPr>
+          <p:cNvPr id="2" name="Slide Image Placeholder 1"/>
+          <p:cNvSpPr>
+            <a:spLocks noGrp="1" noRot="1" noChangeAspect="1"/>
+          </p:cNvSpPr>
+          <p:nvPr>
+            <p:ph type="sldImg"/>
+          </p:nvPr>
+        </p:nvSpPr>
+        <p:spPr/>
+      </p:sp>
+      <p:sp>
+        <p:nvSpPr>
+          <p:cNvPr id="3" name="Notes Placeholder 2"/>
+          <p:cNvSpPr>
+            <a:spLocks noGrp="1"/>
+          </p:cNvSpPr>
+          <p:nvPr>
+            <p:ph type="body" idx="1"/>
+          </p:nvPr>
+        </p:nvSpPr>
+        <p:spPr/>
+        <p:txBody>
+          <a:bodyPr/>
+          <a:lstStyle/>
+          <a:p>
+            <a:endParaRPr lang="en-US" dirty="0"/>
+          </a:p>
+        </p:txBody>
+      </p:sp>
+      <p:sp>
+        <p:nvSpPr>
+          <p:cNvPr id="4" name="Slide Number Placeholder 3"/>
+          <p:cNvSpPr>
+            <a:spLocks noGrp="1"/>
+          </p:cNvSpPr>
+          <p:nvPr>
+            <p:ph type="sldNum" sz="quarter" idx="5"/>
+          </p:nvPr>
+        </p:nvSpPr>
+        <p:spPr/>
+        <p:txBody>
+          <a:bodyPr/>
+          <a:lstStyle/>
+          <a:p>
+            <a:fld id="{46A57A09-7C9A-5B46-924C-869E0A38EC0D}" type="slidenum">
+              <a:rPr lang="en-US" smtClean="0"/>
+              <a:t>7</a:t>
+            </a:fld>
+            <a:endParaRPr lang="en-US"/>
+          </a:p>
+        </p:txBody>
+      </p:sp>
+    </p:spTree>
+    <p:extLst>
+      <p:ext uri="{BB962C8B-B14F-4D97-AF65-F5344CB8AC3E}">
+        <p14:creationId xmlns:p14="http://schemas.microsoft.com/office/powerpoint/2010/main" val="1446852851"/>
       </p:ext>
     </p:extLst>
   </p:cSld>
@@ -12993,7 +13462,7 @@
           <p:nvPr/>
         </p:nvPicPr>
         <p:blipFill rotWithShape="1">
-          <a:blip r:embed="rId2">
+          <a:blip r:embed="rId3">
             <a:alphaModFix amt="40000"/>
           </a:blip>
           <a:srcRect t="8103" b="7627"/>
@@ -13641,7 +14110,7 @@
           </p:nvPr>
         </p:nvPicPr>
         <p:blipFill>
-          <a:blip r:embed="rId2">
+          <a:blip r:embed="rId3">
             <a:extLst>
               <a:ext uri="{28A0092B-C50C-407E-A947-70E740481C1C}">
                 <a14:useLocalDpi xmlns:a14="http://schemas.microsoft.com/office/drawing/2010/main" val="0"/>
@@ -13821,7 +14290,7 @@
           <p:nvPr/>
         </p:nvPicPr>
         <p:blipFill rotWithShape="1">
-          <a:blip r:embed="rId3"/>
+          <a:blip r:embed="rId4"/>
           <a:srcRect l="9183" r="7037"/>
           <a:stretch/>
         </p:blipFill>
@@ -13875,114 +14344,6 @@
       </p:grpSpPr>
       <p:sp>
         <p:nvSpPr>
-          <p:cNvPr id="24" name="Rectangle 23">
-            <a:extLst>
-              <a:ext uri="{FF2B5EF4-FFF2-40B4-BE49-F238E27FC236}">
-                <a16:creationId xmlns:a16="http://schemas.microsoft.com/office/drawing/2014/main" id="{9DA15B1D-0133-4CB3-B7CC-61FA728745D1}"/>
-              </a:ext>
-              <a:ext uri="{C183D7F6-B498-43B3-948B-1728B52AA6E4}">
-                <adec:decorative xmlns:adec="http://schemas.microsoft.com/office/drawing/2017/decorative" val="1"/>
-              </a:ext>
-            </a:extLst>
-          </p:cNvPr>
-          <p:cNvSpPr>
-            <a:spLocks noGrp="1" noRot="1" noChangeAspect="1" noMove="1" noResize="1" noEditPoints="1" noAdjustHandles="1" noChangeArrowheads="1" noChangeShapeType="1" noTextEdit="1"/>
-          </p:cNvSpPr>
-          <p:nvPr>
-            <p:extLst>
-              <p:ext uri="{386F3935-93C4-4BCD-93E2-E3B085C9AB24}">
-                <p16:designElem xmlns:p16="http://schemas.microsoft.com/office/powerpoint/2015/main" val="1"/>
-              </p:ext>
-            </p:extLst>
-          </p:nvPr>
-        </p:nvSpPr>
-        <p:spPr>
-          <a:xfrm>
-            <a:off x="0" y="0"/>
-            <a:ext cx="12192000" cy="6858000"/>
-          </a:xfrm>
-          <a:prstGeom prst="rect">
-            <a:avLst/>
-          </a:prstGeom>
-          <a:solidFill>
-            <a:schemeClr val="bg1"/>
-          </a:solidFill>
-          <a:ln>
-            <a:noFill/>
-          </a:ln>
-        </p:spPr>
-        <p:style>
-          <a:lnRef idx="2">
-            <a:schemeClr val="accent1">
-              <a:shade val="50000"/>
-            </a:schemeClr>
-          </a:lnRef>
-          <a:fillRef idx="1">
-            <a:schemeClr val="accent1"/>
-          </a:fillRef>
-          <a:effectRef idx="0">
-            <a:schemeClr val="accent1"/>
-          </a:effectRef>
-          <a:fontRef idx="minor">
-            <a:schemeClr val="lt1"/>
-          </a:fontRef>
-        </p:style>
-        <p:txBody>
-          <a:bodyPr rtlCol="0" anchor="ctr"/>
-          <a:lstStyle/>
-          <a:p>
-            <a:pPr algn="ctr"/>
-            <a:endParaRPr lang="en-US"/>
-          </a:p>
-        </p:txBody>
-      </p:sp>
-      <p:pic>
-        <p:nvPicPr>
-          <p:cNvPr id="26" name="Picture 25">
-            <a:extLst>
-              <a:ext uri="{FF2B5EF4-FFF2-40B4-BE49-F238E27FC236}">
-                <a16:creationId xmlns:a16="http://schemas.microsoft.com/office/drawing/2014/main" id="{3EF2F61C-287D-47BC-878F-C876F74FFDD2}"/>
-              </a:ext>
-              <a:ext uri="{C183D7F6-B498-43B3-948B-1728B52AA6E4}">
-                <adec:decorative xmlns:adec="http://schemas.microsoft.com/office/drawing/2017/decorative" val="1"/>
-              </a:ext>
-            </a:extLst>
-          </p:cNvPr>
-          <p:cNvPicPr>
-            <a:picLocks noGrp="1" noRot="1" noChangeAspect="1" noMove="1" noResize="1" noEditPoints="1" noAdjustHandles="1" noChangeArrowheads="1" noChangeShapeType="1" noCrop="1"/>
-          </p:cNvPicPr>
-          <p:nvPr>
-            <p:extLst>
-              <p:ext uri="{386F3935-93C4-4BCD-93E2-E3B085C9AB24}">
-                <p16:designElem xmlns:p16="http://schemas.microsoft.com/office/powerpoint/2015/main" val="1"/>
-              </p:ext>
-            </p:extLst>
-          </p:nvPr>
-        </p:nvPicPr>
-        <p:blipFill>
-          <a:blip r:embed="rId3">
-            <a:extLst>
-              <a:ext uri="{28A0092B-C50C-407E-A947-70E740481C1C}">
-                <a14:useLocalDpi xmlns:a14="http://schemas.microsoft.com/office/drawing/2010/main" val="0"/>
-              </a:ext>
-            </a:extLst>
-          </a:blip>
-          <a:stretch>
-            <a:fillRect/>
-          </a:stretch>
-        </p:blipFill>
-        <p:spPr>
-          <a:xfrm>
-            <a:off x="0" y="0"/>
-            <a:ext cx="12192000" cy="1441450"/>
-          </a:xfrm>
-          <a:prstGeom prst="rect">
-            <a:avLst/>
-          </a:prstGeom>
-        </p:spPr>
-      </p:pic>
-      <p:sp>
-        <p:nvSpPr>
           <p:cNvPr id="2" name="Title 1">
             <a:extLst>
               <a:ext uri="{FF2B5EF4-FFF2-40B4-BE49-F238E27FC236}">
@@ -13999,19 +14360,18 @@
         </p:nvSpPr>
         <p:spPr>
           <a:xfrm>
-            <a:off x="685800" y="764373"/>
-            <a:ext cx="4753466" cy="1293028"/>
+            <a:off x="542170" y="1260627"/>
+            <a:ext cx="3521830" cy="4953741"/>
           </a:xfrm>
         </p:spPr>
         <p:txBody>
-          <a:bodyPr>
+          <a:bodyPr anchor="t">
             <a:normAutofit/>
           </a:bodyPr>
           <a:lstStyle/>
           <a:p>
-            <a:pPr algn="l"/>
             <a:r>
-              <a:rPr lang="en-US" dirty="0"/>
+              <a:rPr lang="en-US" sz="3100"/>
               <a:t>Data understanding</a:t>
             </a:r>
           </a:p>
@@ -14035,8 +14395,8 @@
         </p:nvSpPr>
         <p:spPr>
           <a:xfrm>
-            <a:off x="685801" y="2194560"/>
-            <a:ext cx="4753466" cy="4024125"/>
+            <a:off x="4501610" y="1260628"/>
+            <a:ext cx="7004590" cy="2890619"/>
           </a:xfrm>
         </p:spPr>
         <p:txBody>
@@ -14046,145 +14406,75 @@
           <a:lstStyle/>
           <a:p>
             <a:r>
-              <a:rPr lang="en-US" sz="1500"/>
+              <a:rPr lang="en-US" sz="1200"/>
               <a:t>House sales data in King County in 2014-2015</a:t>
             </a:r>
           </a:p>
           <a:p>
             <a:r>
-              <a:rPr lang="en-US" sz="1500"/>
+              <a:rPr lang="en-US" sz="1200"/>
               <a:t>Price</a:t>
             </a:r>
           </a:p>
           <a:p>
             <a:r>
-              <a:rPr lang="en-US" sz="1500"/>
+              <a:rPr lang="en-US" sz="1200"/>
               <a:t>Id &amp; date</a:t>
             </a:r>
           </a:p>
           <a:p>
             <a:r>
-              <a:rPr lang="en-US" sz="1500"/>
+              <a:rPr lang="en-US" sz="1200"/>
               <a:t>Bedrooms, Bathrooms &amp; Floors</a:t>
             </a:r>
           </a:p>
           <a:p>
             <a:r>
-              <a:rPr lang="en-US" sz="1500"/>
+              <a:rPr lang="en-US" sz="1200"/>
               <a:t>Square foot: Living, Lot, Above, Basement, 15</a:t>
             </a:r>
           </a:p>
           <a:p>
             <a:r>
-              <a:rPr lang="en-US" sz="1500"/>
+              <a:rPr lang="en-US" sz="1200"/>
               <a:t>Grade &amp; Condition</a:t>
             </a:r>
           </a:p>
           <a:p>
             <a:r>
-              <a:rPr lang="en-US" sz="1500"/>
+              <a:rPr lang="en-US" sz="1200"/>
               <a:t>Area: Zip code, Lat &amp; Long</a:t>
             </a:r>
           </a:p>
           <a:p>
             <a:r>
-              <a:rPr lang="en-US" sz="1500"/>
+              <a:rPr lang="en-US" sz="1200"/>
               <a:t>Year: built &amp; renovated</a:t>
             </a:r>
           </a:p>
           <a:p>
             <a:r>
-              <a:rPr lang="en-US" sz="1500"/>
+              <a:rPr lang="en-US" sz="1200"/>
               <a:t>Waterfront</a:t>
             </a:r>
           </a:p>
           <a:p>
             <a:r>
-              <a:rPr lang="en-US" sz="1500"/>
+              <a:rPr lang="en-US" sz="1200"/>
               <a:t>Views</a:t>
             </a:r>
           </a:p>
           <a:p>
-            <a:endParaRPr lang="en-US" sz="1500"/>
-          </a:p>
-        </p:txBody>
-      </p:sp>
-      <p:sp>
-        <p:nvSpPr>
-          <p:cNvPr id="28" name="Rounded Rectangle 14">
-            <a:extLst>
-              <a:ext uri="{FF2B5EF4-FFF2-40B4-BE49-F238E27FC236}">
-                <a16:creationId xmlns:a16="http://schemas.microsoft.com/office/drawing/2014/main" id="{B5BA9375-863F-4B24-9083-14FE819F8E05}"/>
-              </a:ext>
-              <a:ext uri="{C183D7F6-B498-43B3-948B-1728B52AA6E4}">
-                <adec:decorative xmlns:adec="http://schemas.microsoft.com/office/drawing/2017/decorative" val="1"/>
-              </a:ext>
-            </a:extLst>
-          </p:cNvPr>
-          <p:cNvSpPr>
-            <a:spLocks noGrp="1" noRot="1" noChangeAspect="1" noMove="1" noResize="1" noEditPoints="1" noAdjustHandles="1" noChangeArrowheads="1" noChangeShapeType="1" noTextEdit="1"/>
-          </p:cNvSpPr>
-          <p:nvPr>
-            <p:extLst>
-              <p:ext uri="{386F3935-93C4-4BCD-93E2-E3B085C9AB24}">
-                <p16:designElem xmlns:p16="http://schemas.microsoft.com/office/powerpoint/2015/main" val="1"/>
-              </p:ext>
-            </p:extLst>
-          </p:nvPr>
-        </p:nvSpPr>
-        <p:spPr>
-          <a:xfrm>
-            <a:off x="6095999" y="1066164"/>
-            <a:ext cx="5305958" cy="5148371"/>
-          </a:xfrm>
-          <a:prstGeom prst="roundRect">
-            <a:avLst>
-              <a:gd name="adj" fmla="val 2403"/>
-            </a:avLst>
-          </a:prstGeom>
-          <a:solidFill>
-            <a:srgbClr val="FFFFFF"/>
-          </a:solidFill>
-          <a:ln>
-            <a:noFill/>
-          </a:ln>
-          <a:effectLst>
-            <a:innerShdw blurRad="114300">
-              <a:prstClr val="black"/>
-            </a:innerShdw>
-          </a:effectLst>
-        </p:spPr>
-        <p:style>
-          <a:lnRef idx="2">
-            <a:schemeClr val="accent1">
-              <a:shade val="50000"/>
-            </a:schemeClr>
-          </a:lnRef>
-          <a:fillRef idx="1">
-            <a:schemeClr val="accent1"/>
-          </a:fillRef>
-          <a:effectRef idx="0">
-            <a:schemeClr val="accent1"/>
-          </a:effectRef>
-          <a:fontRef idx="minor">
-            <a:schemeClr val="lt1"/>
-          </a:fontRef>
-        </p:style>
-        <p:txBody>
-          <a:bodyPr rtlCol="0" anchor="ctr"/>
-          <a:lstStyle/>
-          <a:p>
-            <a:pPr algn="ctr"/>
-            <a:endParaRPr lang="en-US"/>
+            <a:endParaRPr lang="en-US" sz="1200"/>
           </a:p>
         </p:txBody>
       </p:sp>
       <p:pic>
         <p:nvPicPr>
-          <p:cNvPr id="5" name="Picture 4" descr="Chart, scatter chart&#10;&#10;Description automatically generated">
+          <p:cNvPr id="6" name="Picture 5" descr="Table&#10;&#10;Description automatically generated">
             <a:extLst>
               <a:ext uri="{FF2B5EF4-FFF2-40B4-BE49-F238E27FC236}">
-                <a16:creationId xmlns:a16="http://schemas.microsoft.com/office/drawing/2014/main" id="{A1015129-AA93-F871-2006-513AED3C271D}"/>
+                <a16:creationId xmlns:a16="http://schemas.microsoft.com/office/drawing/2014/main" id="{37FB1D95-C7FC-134E-DB06-BC8FAEF636B1}"/>
               </a:ext>
             </a:extLst>
           </p:cNvPr>
@@ -14193,15 +14483,16 @@
           </p:cNvPicPr>
           <p:nvPr/>
         </p:nvPicPr>
-        <p:blipFill rotWithShape="1">
-          <a:blip r:embed="rId4"/>
-          <a:srcRect l="31916" r="30725"/>
-          <a:stretch/>
+        <p:blipFill>
+          <a:blip r:embed="rId3"/>
+          <a:stretch>
+            <a:fillRect/>
+          </a:stretch>
         </p:blipFill>
         <p:spPr>
           <a:xfrm>
-            <a:off x="6407004" y="1336566"/>
-            <a:ext cx="4683948" cy="4607567"/>
+            <a:off x="4501610" y="4292724"/>
+            <a:ext cx="5823168" cy="1921645"/>
           </a:xfrm>
           <a:prstGeom prst="rect">
             <a:avLst/>
@@ -14476,7 +14767,7 @@
             <p:ph idx="1"/>
             <p:extLst>
               <p:ext uri="{D42A27DB-BD31-4B8C-83A1-F6EECF244321}">
-                <p14:modId xmlns:p14="http://schemas.microsoft.com/office/powerpoint/2010/main" val="2120401980"/>
+                <p14:modId xmlns:p14="http://schemas.microsoft.com/office/powerpoint/2010/main" val="1940502492"/>
               </p:ext>
             </p:extLst>
           </p:nvPr>
@@ -14744,7 +15035,7 @@
           </p:nvPr>
         </p:nvPicPr>
         <p:blipFill rotWithShape="1">
-          <a:blip r:embed="rId2">
+          <a:blip r:embed="rId3">
             <a:extLst>
               <a:ext uri="{28A0092B-C50C-407E-A947-70E740481C1C}">
                 <a14:useLocalDpi xmlns:a14="http://schemas.microsoft.com/office/drawing/2010/main" val="0"/>
@@ -14828,7 +15119,7 @@
           </p:nvPr>
         </p:nvPicPr>
         <p:blipFill rotWithShape="1">
-          <a:blip r:embed="rId3">
+          <a:blip r:embed="rId4">
             <a:extLst>
               <a:ext uri="{28A0092B-C50C-407E-A947-70E740481C1C}">
                 <a14:useLocalDpi xmlns:a14="http://schemas.microsoft.com/office/drawing/2010/main" val="0"/>
@@ -14892,7 +15183,17 @@
                   <a:schemeClr val="bg1"/>
                 </a:solidFill>
               </a:rPr>
-              <a:t>Dependent and independent variables </a:t>
+              <a:t>Dependent and independent variables</a:t>
+            </a:r>
+          </a:p>
+          <a:p>
+            <a:r>
+              <a:rPr lang="en-US" sz="1600" dirty="0">
+                <a:solidFill>
+                  <a:schemeClr val="bg1"/>
+                </a:solidFill>
+              </a:rPr>
+              <a:t>Model 1, 2 and 3</a:t>
             </a:r>
           </a:p>
           <a:p>
@@ -14912,8 +15213,15 @@
                   <a:schemeClr val="bg1"/>
                 </a:solidFill>
               </a:rPr>
-              <a:t>Log Transformation</a:t>
+              <a:t>Log Transformation </a:t>
             </a:r>
+          </a:p>
+          <a:p>
+            <a:endParaRPr lang="en-US" sz="1600" dirty="0">
+              <a:solidFill>
+                <a:schemeClr val="bg1"/>
+              </a:solidFill>
+            </a:endParaRPr>
           </a:p>
           <a:p>
             <a:endParaRPr lang="en-US" sz="1600" dirty="0">
@@ -14963,15 +15271,45 @@
           <p:nvPr/>
         </p:nvPicPr>
         <p:blipFill>
-          <a:blip r:embed="rId4"/>
+          <a:blip r:embed="rId5"/>
           <a:stretch>
             <a:fillRect/>
           </a:stretch>
         </p:blipFill>
         <p:spPr>
           <a:xfrm>
-            <a:off x="4746812" y="121025"/>
+            <a:off x="4744264" y="110333"/>
             <a:ext cx="7447736" cy="6516768"/>
+          </a:xfrm>
+          <a:prstGeom prst="rect">
+            <a:avLst/>
+          </a:prstGeom>
+        </p:spPr>
+      </p:pic>
+      <p:pic>
+        <p:nvPicPr>
+          <p:cNvPr id="4" name="Picture 3" descr="Histogram&#10;&#10;Description automatically generated">
+            <a:extLst>
+              <a:ext uri="{FF2B5EF4-FFF2-40B4-BE49-F238E27FC236}">
+                <a16:creationId xmlns:a16="http://schemas.microsoft.com/office/drawing/2014/main" id="{DD279CE7-98D1-4584-7C60-8D9D4CA6FE32}"/>
+              </a:ext>
+            </a:extLst>
+          </p:cNvPr>
+          <p:cNvPicPr>
+            <a:picLocks noChangeAspect="1"/>
+          </p:cNvPicPr>
+          <p:nvPr/>
+        </p:nvPicPr>
+        <p:blipFill>
+          <a:blip r:embed="rId6"/>
+          <a:stretch>
+            <a:fillRect/>
+          </a:stretch>
+        </p:blipFill>
+        <p:spPr>
+          <a:xfrm>
+            <a:off x="7245288" y="121025"/>
+            <a:ext cx="4053455" cy="2866822"/>
           </a:xfrm>
           <a:prstGeom prst="rect">
             <a:avLst/>
@@ -15107,7 +15445,7 @@
           </p:nvPr>
         </p:nvPicPr>
         <p:blipFill>
-          <a:blip r:embed="rId2">
+          <a:blip r:embed="rId3">
             <a:extLst>
               <a:ext uri="{28A0092B-C50C-407E-A947-70E740481C1C}">
                 <a14:useLocalDpi xmlns:a14="http://schemas.microsoft.com/office/drawing/2010/main" val="0"/>
@@ -15158,18 +15496,13 @@
           <a:p>
             <a:pPr algn="l"/>
             <a:r>
-              <a:rPr lang="en-US" sz="3200">
+              <a:rPr lang="en-US" sz="3200" dirty="0">
                 <a:solidFill>
                   <a:schemeClr val="bg1"/>
                 </a:solidFill>
               </a:rPr>
               <a:t>Validation</a:t>
             </a:r>
-            <a:endParaRPr lang="en-US" sz="3200" dirty="0">
-              <a:solidFill>
-                <a:schemeClr val="bg1"/>
-              </a:solidFill>
-            </a:endParaRPr>
           </a:p>
         </p:txBody>
       </p:sp>
@@ -15202,7 +15535,7 @@
           <a:lstStyle/>
           <a:p>
             <a:r>
-              <a:rPr lang="en-US" sz="1600">
+              <a:rPr lang="en-US" sz="1600" dirty="0">
                 <a:solidFill>
                   <a:schemeClr val="bg1"/>
                 </a:solidFill>
@@ -15212,7 +15545,7 @@
           </a:p>
           <a:p>
             <a:r>
-              <a:rPr lang="en-US" sz="1600">
+              <a:rPr lang="en-US" sz="1600" dirty="0">
                 <a:solidFill>
                   <a:schemeClr val="bg1"/>
                 </a:solidFill>
@@ -15222,7 +15555,7 @@
           </a:p>
           <a:p>
             <a:r>
-              <a:rPr lang="en-US" sz="1600">
+              <a:rPr lang="en-US" sz="1600" dirty="0">
                 <a:solidFill>
                   <a:schemeClr val="bg1"/>
                 </a:solidFill>
@@ -15232,7 +15565,7 @@
           </a:p>
           <a:p>
             <a:r>
-              <a:rPr lang="en-US" sz="1600">
+              <a:rPr lang="en-US" sz="1600" dirty="0">
                 <a:solidFill>
                   <a:schemeClr val="bg1"/>
                 </a:solidFill>
@@ -15241,18 +15574,31 @@
             </a:r>
           </a:p>
           <a:p>
-            <a:endParaRPr lang="en-US" sz="1600">
+            <a:r>
+              <a:rPr lang="en-US" sz="1600" dirty="0">
+                <a:solidFill>
+                  <a:schemeClr val="bg1"/>
+                </a:solidFill>
+              </a:rPr>
+              <a:t>Assumption of linear regression</a:t>
+            </a:r>
+          </a:p>
+          <a:p>
+            <a:endParaRPr lang="en-US" sz="1600" dirty="0">
               <a:solidFill>
                 <a:schemeClr val="bg1"/>
               </a:solidFill>
             </a:endParaRPr>
           </a:p>
           <a:p>
-            <a:endParaRPr lang="en-US" sz="1600">
-              <a:solidFill>
-                <a:schemeClr val="bg1"/>
-              </a:solidFill>
-            </a:endParaRPr>
+            <a:r>
+              <a:rPr lang="en-US" sz="1600" dirty="0">
+                <a:solidFill>
+                  <a:schemeClr val="bg1"/>
+                </a:solidFill>
+              </a:rPr>
+              <a:t>x</a:t>
+            </a:r>
           </a:p>
         </p:txBody>
       </p:sp>
@@ -15338,7 +15684,7 @@
           <p:nvPr/>
         </p:nvPicPr>
         <p:blipFill>
-          <a:blip r:embed="rId3"/>
+          <a:blip r:embed="rId4"/>
           <a:stretch>
             <a:fillRect/>
           </a:stretch>
@@ -15368,14 +15714,14 @@
           <p:nvPr/>
         </p:nvPicPr>
         <p:blipFill>
-          <a:blip r:embed="rId4"/>
+          <a:blip r:embed="rId5"/>
           <a:stretch>
             <a:fillRect/>
           </a:stretch>
         </p:blipFill>
         <p:spPr>
           <a:xfrm>
-            <a:off x="826032" y="3773670"/>
+            <a:off x="564784" y="4097477"/>
             <a:ext cx="3548775" cy="2440865"/>
           </a:xfrm>
           <a:prstGeom prst="rect">
@@ -15882,28 +16228,28 @@
               <a:buNone/>
             </a:pPr>
             <a:r>
-              <a:rPr lang="en-US"/>
+              <a:rPr lang="en-US" dirty="0"/>
               <a:t>I would recommend Real Estate agencies advise their clients that:</a:t>
             </a:r>
           </a:p>
           <a:p>
-            <a:endParaRPr lang="en-US"/>
+            <a:endParaRPr lang="en-US" dirty="0"/>
           </a:p>
           <a:p>
             <a:r>
-              <a:rPr lang="en-US"/>
+              <a:rPr lang="en-US" dirty="0"/>
               <a:t>Price of properties increase by square foot living, bedrooms and bathrooms.</a:t>
             </a:r>
           </a:p>
           <a:p>
             <a:r>
-              <a:rPr lang="en-US"/>
+              <a:rPr lang="en-US" dirty="0"/>
               <a:t>Renovations that provide a high condition rate of  5, or at least in a range 2 to 5.</a:t>
             </a:r>
           </a:p>
           <a:p>
             <a:r>
-              <a:rPr lang="en-US"/>
+              <a:rPr lang="en-US" dirty="0"/>
               <a:t>Renovations that provide a high grade rate of 11, or at least in a range 5 to 11.</a:t>
             </a:r>
           </a:p>
